--- a/doc/papers/SiliconPad/plots/BeamSchematicDiagram.pptx
+++ b/doc/papers/SiliconPad/plots/BeamSchematicDiagram.pptx
@@ -288,7 +288,7 @@
           <a:p>
             <a:fld id="{70DE82B7-77BA-B146-8E9D-17DD00EC65FC}" type="datetimeFigureOut">
               <a:rPr lang="en-US" smtClean="0"/>
-              <a:t>12/20/15</a:t>
+              <a:t>12/21/15</a:t>
             </a:fld>
             <a:endParaRPr lang="en-US"/>
           </a:p>
@@ -458,7 +458,7 @@
           <a:p>
             <a:fld id="{70DE82B7-77BA-B146-8E9D-17DD00EC65FC}" type="datetimeFigureOut">
               <a:rPr lang="en-US" smtClean="0"/>
-              <a:t>12/20/15</a:t>
+              <a:t>12/21/15</a:t>
             </a:fld>
             <a:endParaRPr lang="en-US"/>
           </a:p>
@@ -638,7 +638,7 @@
           <a:p>
             <a:fld id="{70DE82B7-77BA-B146-8E9D-17DD00EC65FC}" type="datetimeFigureOut">
               <a:rPr lang="en-US" smtClean="0"/>
-              <a:t>12/20/15</a:t>
+              <a:t>12/21/15</a:t>
             </a:fld>
             <a:endParaRPr lang="en-US"/>
           </a:p>
@@ -808,7 +808,7 @@
           <a:p>
             <a:fld id="{70DE82B7-77BA-B146-8E9D-17DD00EC65FC}" type="datetimeFigureOut">
               <a:rPr lang="en-US" smtClean="0"/>
-              <a:t>12/20/15</a:t>
+              <a:t>12/21/15</a:t>
             </a:fld>
             <a:endParaRPr lang="en-US"/>
           </a:p>
@@ -1054,7 +1054,7 @@
           <a:p>
             <a:fld id="{70DE82B7-77BA-B146-8E9D-17DD00EC65FC}" type="datetimeFigureOut">
               <a:rPr lang="en-US" smtClean="0"/>
-              <a:t>12/20/15</a:t>
+              <a:t>12/21/15</a:t>
             </a:fld>
             <a:endParaRPr lang="en-US"/>
           </a:p>
@@ -1342,7 +1342,7 @@
           <a:p>
             <a:fld id="{70DE82B7-77BA-B146-8E9D-17DD00EC65FC}" type="datetimeFigureOut">
               <a:rPr lang="en-US" smtClean="0"/>
-              <a:t>12/20/15</a:t>
+              <a:t>12/21/15</a:t>
             </a:fld>
             <a:endParaRPr lang="en-US"/>
           </a:p>
@@ -1764,7 +1764,7 @@
           <a:p>
             <a:fld id="{70DE82B7-77BA-B146-8E9D-17DD00EC65FC}" type="datetimeFigureOut">
               <a:rPr lang="en-US" smtClean="0"/>
-              <a:t>12/20/15</a:t>
+              <a:t>12/21/15</a:t>
             </a:fld>
             <a:endParaRPr lang="en-US"/>
           </a:p>
@@ -1882,7 +1882,7 @@
           <a:p>
             <a:fld id="{70DE82B7-77BA-B146-8E9D-17DD00EC65FC}" type="datetimeFigureOut">
               <a:rPr lang="en-US" smtClean="0"/>
-              <a:t>12/20/15</a:t>
+              <a:t>12/21/15</a:t>
             </a:fld>
             <a:endParaRPr lang="en-US"/>
           </a:p>
@@ -1977,7 +1977,7 @@
           <a:p>
             <a:fld id="{70DE82B7-77BA-B146-8E9D-17DD00EC65FC}" type="datetimeFigureOut">
               <a:rPr lang="en-US" smtClean="0"/>
-              <a:t>12/20/15</a:t>
+              <a:t>12/21/15</a:t>
             </a:fld>
             <a:endParaRPr lang="en-US"/>
           </a:p>
@@ -2254,7 +2254,7 @@
           <a:p>
             <a:fld id="{70DE82B7-77BA-B146-8E9D-17DD00EC65FC}" type="datetimeFigureOut">
               <a:rPr lang="en-US" smtClean="0"/>
-              <a:t>12/20/15</a:t>
+              <a:t>12/21/15</a:t>
             </a:fld>
             <a:endParaRPr lang="en-US"/>
           </a:p>
@@ -2507,7 +2507,7 @@
           <a:p>
             <a:fld id="{70DE82B7-77BA-B146-8E9D-17DD00EC65FC}" type="datetimeFigureOut">
               <a:rPr lang="en-US" smtClean="0"/>
-              <a:t>12/20/15</a:t>
+              <a:t>12/21/15</a:t>
             </a:fld>
             <a:endParaRPr lang="en-US"/>
           </a:p>
@@ -2720,7 +2720,7 @@
           <a:p>
             <a:fld id="{70DE82B7-77BA-B146-8E9D-17DD00EC65FC}" type="datetimeFigureOut">
               <a:rPr lang="en-US" smtClean="0"/>
-              <a:t>12/20/15</a:t>
+              <a:t>12/21/15</a:t>
             </a:fld>
             <a:endParaRPr lang="en-US"/>
           </a:p>
@@ -3354,8 +3354,8 @@
         </p:nvSpPr>
         <p:spPr>
           <a:xfrm>
-            <a:off x="94130" y="468125"/>
-            <a:ext cx="1528155" cy="1196633"/>
+            <a:off x="94130" y="329800"/>
+            <a:ext cx="1734341" cy="1196633"/>
           </a:xfrm>
           <a:prstGeom prst="rect">
             <a:avLst/>
@@ -3389,13 +3389,34 @@
           </a:p>
           <a:p>
             <a:r>
-              <a:rPr lang="en-US" sz="2400" b="1" dirty="0">
+              <a:rPr lang="en-US" sz="2400" b="1" dirty="0" smtClean="0">
                 <a:solidFill>
                   <a:srgbClr val="DA06DA"/>
                 </a:solidFill>
               </a:rPr>
-              <a:t>2cm x 2cm</a:t>
-            </a:r>
+              <a:t>1.8 </a:t>
+            </a:r>
+            <a:r>
+              <a:rPr lang="en-US" sz="2400" b="1" dirty="0" smtClean="0">
+                <a:solidFill>
+                  <a:srgbClr val="DA06DA"/>
+                </a:solidFill>
+              </a:rPr>
+              <a:t>x 2 mm</a:t>
+            </a:r>
+            <a:r>
+              <a:rPr lang="en-US" sz="2400" b="1" baseline="30000" dirty="0" smtClean="0">
+                <a:solidFill>
+                  <a:srgbClr val="DA06DA"/>
+                </a:solidFill>
+              </a:rPr>
+              <a:t>2</a:t>
+            </a:r>
+            <a:endParaRPr lang="en-US" sz="2400" b="1" baseline="30000" dirty="0">
+              <a:solidFill>
+                <a:srgbClr val="DA06DA"/>
+              </a:solidFill>
+            </a:endParaRPr>
           </a:p>
         </p:txBody>
       </p:sp>
